--- a/logo.pptx
+++ b/logo.pptx
@@ -261,7 +261,7 @@
           <a:p>
             <a:fld id="{2300DAE7-71D0-49AC-8DC5-F954F6B945FC}" type="datetimeFigureOut">
               <a:rPr lang="LID4096" smtClean="0"/>
-              <a:t>06/07/2022</a:t>
+              <a:t>06/16/2022</a:t>
             </a:fld>
             <a:endParaRPr lang="LID4096"/>
           </a:p>
@@ -461,7 +461,7 @@
           <a:p>
             <a:fld id="{2300DAE7-71D0-49AC-8DC5-F954F6B945FC}" type="datetimeFigureOut">
               <a:rPr lang="LID4096" smtClean="0"/>
-              <a:t>06/07/2022</a:t>
+              <a:t>06/16/2022</a:t>
             </a:fld>
             <a:endParaRPr lang="LID4096"/>
           </a:p>
@@ -671,7 +671,7 @@
           <a:p>
             <a:fld id="{2300DAE7-71D0-49AC-8DC5-F954F6B945FC}" type="datetimeFigureOut">
               <a:rPr lang="LID4096" smtClean="0"/>
-              <a:t>06/07/2022</a:t>
+              <a:t>06/16/2022</a:t>
             </a:fld>
             <a:endParaRPr lang="LID4096"/>
           </a:p>
@@ -871,7 +871,7 @@
           <a:p>
             <a:fld id="{2300DAE7-71D0-49AC-8DC5-F954F6B945FC}" type="datetimeFigureOut">
               <a:rPr lang="LID4096" smtClean="0"/>
-              <a:t>06/07/2022</a:t>
+              <a:t>06/16/2022</a:t>
             </a:fld>
             <a:endParaRPr lang="LID4096"/>
           </a:p>
@@ -1147,7 +1147,7 @@
           <a:p>
             <a:fld id="{2300DAE7-71D0-49AC-8DC5-F954F6B945FC}" type="datetimeFigureOut">
               <a:rPr lang="LID4096" smtClean="0"/>
-              <a:t>06/07/2022</a:t>
+              <a:t>06/16/2022</a:t>
             </a:fld>
             <a:endParaRPr lang="LID4096"/>
           </a:p>
@@ -1415,7 +1415,7 @@
           <a:p>
             <a:fld id="{2300DAE7-71D0-49AC-8DC5-F954F6B945FC}" type="datetimeFigureOut">
               <a:rPr lang="LID4096" smtClean="0"/>
-              <a:t>06/07/2022</a:t>
+              <a:t>06/16/2022</a:t>
             </a:fld>
             <a:endParaRPr lang="LID4096"/>
           </a:p>
@@ -1830,7 +1830,7 @@
           <a:p>
             <a:fld id="{2300DAE7-71D0-49AC-8DC5-F954F6B945FC}" type="datetimeFigureOut">
               <a:rPr lang="LID4096" smtClean="0"/>
-              <a:t>06/07/2022</a:t>
+              <a:t>06/16/2022</a:t>
             </a:fld>
             <a:endParaRPr lang="LID4096"/>
           </a:p>
@@ -1972,7 +1972,7 @@
           <a:p>
             <a:fld id="{2300DAE7-71D0-49AC-8DC5-F954F6B945FC}" type="datetimeFigureOut">
               <a:rPr lang="LID4096" smtClean="0"/>
-              <a:t>06/07/2022</a:t>
+              <a:t>06/16/2022</a:t>
             </a:fld>
             <a:endParaRPr lang="LID4096"/>
           </a:p>
@@ -2085,7 +2085,7 @@
           <a:p>
             <a:fld id="{2300DAE7-71D0-49AC-8DC5-F954F6B945FC}" type="datetimeFigureOut">
               <a:rPr lang="LID4096" smtClean="0"/>
-              <a:t>06/07/2022</a:t>
+              <a:t>06/16/2022</a:t>
             </a:fld>
             <a:endParaRPr lang="LID4096"/>
           </a:p>
@@ -2398,7 +2398,7 @@
           <a:p>
             <a:fld id="{2300DAE7-71D0-49AC-8DC5-F954F6B945FC}" type="datetimeFigureOut">
               <a:rPr lang="LID4096" smtClean="0"/>
-              <a:t>06/07/2022</a:t>
+              <a:t>06/16/2022</a:t>
             </a:fld>
             <a:endParaRPr lang="LID4096"/>
           </a:p>
@@ -2687,7 +2687,7 @@
           <a:p>
             <a:fld id="{2300DAE7-71D0-49AC-8DC5-F954F6B945FC}" type="datetimeFigureOut">
               <a:rPr lang="LID4096" smtClean="0"/>
-              <a:t>06/07/2022</a:t>
+              <a:t>06/16/2022</a:t>
             </a:fld>
             <a:endParaRPr lang="LID4096"/>
           </a:p>
@@ -2930,7 +2930,7 @@
           <a:p>
             <a:fld id="{2300DAE7-71D0-49AC-8DC5-F954F6B945FC}" type="datetimeFigureOut">
               <a:rPr lang="LID4096" smtClean="0"/>
-              <a:t>06/07/2022</a:t>
+              <a:t>06/16/2022</a:t>
             </a:fld>
             <a:endParaRPr lang="LID4096"/>
           </a:p>
@@ -3349,10 +3349,10 @@
       </p:grpSpPr>
       <p:grpSp>
         <p:nvGrpSpPr>
-          <p:cNvPr id="22" name="Group 21">
-            <a:extLst>
-              <a:ext uri="{FF2B5EF4-FFF2-40B4-BE49-F238E27FC236}">
-                <a16:creationId xmlns:a16="http://schemas.microsoft.com/office/drawing/2014/main" id="{D3281DEB-C452-D9EA-BAE8-2EFEA113ABF2}"/>
+          <p:cNvPr id="53" name="Group 52">
+            <a:extLst>
+              <a:ext uri="{FF2B5EF4-FFF2-40B4-BE49-F238E27FC236}">
+                <a16:creationId xmlns:a16="http://schemas.microsoft.com/office/drawing/2014/main" id="{01C63BC1-1709-010C-FDB9-0F234C45DD4E}"/>
               </a:ext>
             </a:extLst>
           </p:cNvPr>
@@ -3361,21 +3361,271 @@
         </p:nvGrpSpPr>
         <p:grpSpPr>
           <a:xfrm>
-            <a:off x="6804233" y="2701724"/>
-            <a:ext cx="907838" cy="1005840"/>
-            <a:chOff x="6804233" y="2701724"/>
-            <a:chExt cx="907838" cy="1005840"/>
+            <a:off x="6675120" y="2834640"/>
+            <a:ext cx="4188143" cy="1017681"/>
+            <a:chOff x="6675120" y="2834640"/>
+            <a:chExt cx="4188143" cy="1017681"/>
           </a:xfrm>
-          <a:solidFill>
-            <a:srgbClr val="C00000"/>
-          </a:solidFill>
         </p:grpSpPr>
+        <p:grpSp>
+          <p:nvGrpSpPr>
+            <p:cNvPr id="52" name="Group 51">
+              <a:extLst>
+                <a:ext uri="{FF2B5EF4-FFF2-40B4-BE49-F238E27FC236}">
+                  <a16:creationId xmlns:a16="http://schemas.microsoft.com/office/drawing/2014/main" id="{AC3D768E-0732-A4D2-8F5A-118D071A8FD1}"/>
+                </a:ext>
+              </a:extLst>
+            </p:cNvPr>
+            <p:cNvGrpSpPr/>
+            <p:nvPr/>
+          </p:nvGrpSpPr>
+          <p:grpSpPr>
+            <a:xfrm>
+              <a:off x="6766560" y="2834640"/>
+              <a:ext cx="4096703" cy="1017681"/>
+              <a:chOff x="6766560" y="2834640"/>
+              <a:chExt cx="4096703" cy="1017681"/>
+            </a:xfrm>
+          </p:grpSpPr>
+          <p:grpSp>
+            <p:nvGrpSpPr>
+              <p:cNvPr id="9" name="Group 8">
+                <a:extLst>
+                  <a:ext uri="{FF2B5EF4-FFF2-40B4-BE49-F238E27FC236}">
+                    <a16:creationId xmlns:a16="http://schemas.microsoft.com/office/drawing/2014/main" id="{3CD8F7B3-31C4-261C-A70B-8BEB41DBC300}"/>
+                  </a:ext>
+                </a:extLst>
+              </p:cNvPr>
+              <p:cNvGrpSpPr/>
+              <p:nvPr/>
+            </p:nvGrpSpPr>
+            <p:grpSpPr>
+              <a:xfrm>
+                <a:off x="6766560" y="2834640"/>
+                <a:ext cx="747096" cy="914400"/>
+                <a:chOff x="6766560" y="2834640"/>
+                <a:chExt cx="747096" cy="914400"/>
+              </a:xfrm>
+            </p:grpSpPr>
+            <p:sp>
+              <p:nvSpPr>
+                <p:cNvPr id="12" name="Rectangle: Diagonal Corners Rounded 11">
+                  <a:extLst>
+                    <a:ext uri="{FF2B5EF4-FFF2-40B4-BE49-F238E27FC236}">
+                      <a16:creationId xmlns:a16="http://schemas.microsoft.com/office/drawing/2014/main" id="{79E4B28C-93E1-343C-37E9-EC9D54C28DE3}"/>
+                    </a:ext>
+                  </a:extLst>
+                </p:cNvPr>
+                <p:cNvSpPr/>
+                <p:nvPr/>
+              </p:nvSpPr>
+              <p:spPr>
+                <a:xfrm rot="5400000" flipH="1">
+                  <a:off x="7193616" y="3141616"/>
+                  <a:ext cx="182880" cy="457200"/>
+                </a:xfrm>
+                <a:prstGeom prst="round2DiagRect">
+                  <a:avLst>
+                    <a:gd name="adj1" fmla="val 50000"/>
+                    <a:gd name="adj2" fmla="val 0"/>
+                  </a:avLst>
+                </a:prstGeom>
+                <a:solidFill>
+                  <a:srgbClr val="C00000"/>
+                </a:solidFill>
+                <a:ln w="38100">
+                  <a:noFill/>
+                </a:ln>
+              </p:spPr>
+              <p:style>
+                <a:lnRef idx="2">
+                  <a:schemeClr val="accent1">
+                    <a:shade val="50000"/>
+                  </a:schemeClr>
+                </a:lnRef>
+                <a:fillRef idx="1">
+                  <a:schemeClr val="accent1"/>
+                </a:fillRef>
+                <a:effectRef idx="0">
+                  <a:schemeClr val="accent1"/>
+                </a:effectRef>
+                <a:fontRef idx="minor">
+                  <a:schemeClr val="lt1"/>
+                </a:fontRef>
+              </p:style>
+              <p:txBody>
+                <a:bodyPr rtlCol="0" anchor="ctr"/>
+                <a:lstStyle/>
+                <a:p>
+                  <a:pPr algn="ctr"/>
+                  <a:endParaRPr lang="LID4096"/>
+                </a:p>
+              </p:txBody>
+            </p:sp>
+            <p:sp>
+              <p:nvSpPr>
+                <p:cNvPr id="16" name="Rectangle: Diagonal Corners Rounded 15">
+                  <a:extLst>
+                    <a:ext uri="{FF2B5EF4-FFF2-40B4-BE49-F238E27FC236}">
+                      <a16:creationId xmlns:a16="http://schemas.microsoft.com/office/drawing/2014/main" id="{4EC4CAD2-C901-CB12-2404-4DCBA82C06D0}"/>
+                    </a:ext>
+                  </a:extLst>
+                </p:cNvPr>
+                <p:cNvSpPr/>
+                <p:nvPr/>
+              </p:nvSpPr>
+              <p:spPr>
+                <a:xfrm flipH="1">
+                  <a:off x="6766560" y="2834640"/>
+                  <a:ext cx="182880" cy="914400"/>
+                </a:xfrm>
+                <a:prstGeom prst="round2DiagRect">
+                  <a:avLst>
+                    <a:gd name="adj1" fmla="val 50000"/>
+                    <a:gd name="adj2" fmla="val 0"/>
+                  </a:avLst>
+                </a:prstGeom>
+                <a:solidFill>
+                  <a:srgbClr val="C00000"/>
+                </a:solidFill>
+                <a:ln w="38100">
+                  <a:noFill/>
+                </a:ln>
+              </p:spPr>
+              <p:style>
+                <a:lnRef idx="2">
+                  <a:schemeClr val="accent1">
+                    <a:shade val="50000"/>
+                  </a:schemeClr>
+                </a:lnRef>
+                <a:fillRef idx="1">
+                  <a:schemeClr val="accent1"/>
+                </a:fillRef>
+                <a:effectRef idx="0">
+                  <a:schemeClr val="accent1"/>
+                </a:effectRef>
+                <a:fontRef idx="minor">
+                  <a:schemeClr val="lt1"/>
+                </a:fontRef>
+              </p:style>
+              <p:txBody>
+                <a:bodyPr rtlCol="0" anchor="ctr"/>
+                <a:lstStyle/>
+                <a:p>
+                  <a:pPr algn="ctr"/>
+                  <a:endParaRPr lang="LID4096"/>
+                </a:p>
+              </p:txBody>
+            </p:sp>
+            <p:sp>
+              <p:nvSpPr>
+                <p:cNvPr id="17" name="Rectangle: Diagonal Corners Rounded 16">
+                  <a:extLst>
+                    <a:ext uri="{FF2B5EF4-FFF2-40B4-BE49-F238E27FC236}">
+                      <a16:creationId xmlns:a16="http://schemas.microsoft.com/office/drawing/2014/main" id="{26CEDFF0-9318-7A8D-9A34-639E82772961}"/>
+                    </a:ext>
+                  </a:extLst>
+                </p:cNvPr>
+                <p:cNvSpPr/>
+                <p:nvPr/>
+              </p:nvSpPr>
+              <p:spPr>
+                <a:xfrm rot="5400000" flipH="1">
+                  <a:off x="7193616" y="3429000"/>
+                  <a:ext cx="182880" cy="457200"/>
+                </a:xfrm>
+                <a:prstGeom prst="round2DiagRect">
+                  <a:avLst>
+                    <a:gd name="adj1" fmla="val 50000"/>
+                    <a:gd name="adj2" fmla="val 0"/>
+                  </a:avLst>
+                </a:prstGeom>
+                <a:solidFill>
+                  <a:srgbClr val="C00000"/>
+                </a:solidFill>
+                <a:ln w="38100">
+                  <a:noFill/>
+                </a:ln>
+              </p:spPr>
+              <p:style>
+                <a:lnRef idx="2">
+                  <a:schemeClr val="accent1">
+                    <a:shade val="50000"/>
+                  </a:schemeClr>
+                </a:lnRef>
+                <a:fillRef idx="1">
+                  <a:schemeClr val="accent1"/>
+                </a:fillRef>
+                <a:effectRef idx="0">
+                  <a:schemeClr val="accent1"/>
+                </a:effectRef>
+                <a:fontRef idx="minor">
+                  <a:schemeClr val="lt1"/>
+                </a:fontRef>
+              </p:style>
+              <p:txBody>
+                <a:bodyPr rtlCol="0" anchor="ctr"/>
+                <a:lstStyle/>
+                <a:p>
+                  <a:pPr algn="ctr"/>
+                  <a:endParaRPr lang="LID4096"/>
+                </a:p>
+              </p:txBody>
+            </p:sp>
+          </p:grpSp>
+          <p:sp>
+            <p:nvSpPr>
+              <p:cNvPr id="2" name="TextBox 1">
+                <a:extLst>
+                  <a:ext uri="{FF2B5EF4-FFF2-40B4-BE49-F238E27FC236}">
+                    <a16:creationId xmlns:a16="http://schemas.microsoft.com/office/drawing/2014/main" id="{83EC20C4-449F-1D5D-A11A-5A2317643842}"/>
+                  </a:ext>
+                </a:extLst>
+              </p:cNvPr>
+              <p:cNvSpPr txBox="1"/>
+              <p:nvPr/>
+            </p:nvSpPr>
+            <p:spPr>
+              <a:xfrm>
+                <a:off x="7712087" y="3190601"/>
+                <a:ext cx="3151176" cy="661720"/>
+              </a:xfrm>
+              <a:prstGeom prst="rect">
+                <a:avLst/>
+              </a:prstGeom>
+              <a:noFill/>
+            </p:spPr>
+            <p:txBody>
+              <a:bodyPr wrap="square" bIns="0" rtlCol="0" anchor="b" anchorCtr="0">
+                <a:spAutoFit/>
+              </a:bodyPr>
+              <a:lstStyle/>
+              <a:p>
+                <a:r>
+                  <a:rPr lang="en-US" sz="4000" spc="600" dirty="0">
+                    <a:solidFill>
+                      <a:srgbClr val="C00000"/>
+                    </a:solidFill>
+                    <a:latin typeface="Arial Nova" panose="020B0504020202020204" pitchFamily="34" charset="0"/>
+                  </a:rPr>
+                  <a:t>LeetSolve</a:t>
+                </a:r>
+                <a:endParaRPr lang="LID4096" sz="4000" spc="600" dirty="0">
+                  <a:solidFill>
+                    <a:srgbClr val="C00000"/>
+                  </a:solidFill>
+                  <a:latin typeface="Arial Nova" panose="020B0504020202020204" pitchFamily="34" charset="0"/>
+                </a:endParaRPr>
+              </a:p>
+            </p:txBody>
+          </p:sp>
+        </p:grpSp>
         <p:sp>
           <p:nvSpPr>
-            <p:cNvPr id="12" name="Rectangle: Diagonal Corners Rounded 11">
+            <p:cNvPr id="38" name="Rectangle 37">
               <a:extLst>
                 <a:ext uri="{FF2B5EF4-FFF2-40B4-BE49-F238E27FC236}">
-                  <a16:creationId xmlns:a16="http://schemas.microsoft.com/office/drawing/2014/main" id="{79E4B28C-93E1-343C-37E9-EC9D54C28DE3}"/>
+                  <a16:creationId xmlns:a16="http://schemas.microsoft.com/office/drawing/2014/main" id="{56F6CAC0-70DA-DC05-531D-5AE2529B4C69}"/>
                 </a:ext>
               </a:extLst>
             </p:cNvPr>
@@ -3383,18 +3633,322 @@
             <p:nvPr/>
           </p:nvSpPr>
           <p:spPr>
-            <a:xfrm rot="5400000" flipH="1">
-              <a:off x="7300591" y="2945959"/>
-              <a:ext cx="274320" cy="548640"/>
+            <a:xfrm>
+              <a:off x="6675120" y="2962275"/>
+              <a:ext cx="182880" cy="107933"/>
             </a:xfrm>
-            <a:prstGeom prst="round2DiagRect">
-              <a:avLst>
-                <a:gd name="adj1" fmla="val 50000"/>
-                <a:gd name="adj2" fmla="val 0"/>
-              </a:avLst>
+            <a:prstGeom prst="rect">
+              <a:avLst/>
             </a:prstGeom>
-            <a:grpFill/>
-            <a:ln w="38100">
+            <a:noFill/>
+            <a:ln>
+              <a:noFill/>
+            </a:ln>
+          </p:spPr>
+          <p:style>
+            <a:lnRef idx="2">
+              <a:schemeClr val="accent1">
+                <a:shade val="50000"/>
+              </a:schemeClr>
+            </a:lnRef>
+            <a:fillRef idx="1">
+              <a:schemeClr val="accent1"/>
+            </a:fillRef>
+            <a:effectRef idx="0">
+              <a:schemeClr val="accent1"/>
+            </a:effectRef>
+            <a:fontRef idx="minor">
+              <a:schemeClr val="lt1"/>
+            </a:fontRef>
+          </p:style>
+          <p:txBody>
+            <a:bodyPr rtlCol="0" anchor="ctr"/>
+            <a:lstStyle/>
+            <a:p>
+              <a:pPr algn="ctr"/>
+              <a:endParaRPr lang="LID4096"/>
+            </a:p>
+          </p:txBody>
+        </p:sp>
+      </p:grpSp>
+      <p:sp>
+        <p:nvSpPr>
+          <p:cNvPr id="54" name="Rectangle 53">
+            <a:extLst>
+              <a:ext uri="{FF2B5EF4-FFF2-40B4-BE49-F238E27FC236}">
+                <a16:creationId xmlns:a16="http://schemas.microsoft.com/office/drawing/2014/main" id="{E8E6138E-9619-D307-0C11-FB11415732CE}"/>
+              </a:ext>
+            </a:extLst>
+          </p:cNvPr>
+          <p:cNvSpPr/>
+          <p:nvPr/>
+        </p:nvSpPr>
+        <p:spPr>
+          <a:xfrm>
+            <a:off x="3879532" y="2200275"/>
+            <a:ext cx="182880" cy="107933"/>
+          </a:xfrm>
+          <a:prstGeom prst="rect">
+            <a:avLst/>
+          </a:prstGeom>
+          <a:noFill/>
+          <a:ln>
+            <a:noFill/>
+          </a:ln>
+        </p:spPr>
+        <p:style>
+          <a:lnRef idx="2">
+            <a:schemeClr val="accent1">
+              <a:shade val="50000"/>
+            </a:schemeClr>
+          </a:lnRef>
+          <a:fillRef idx="1">
+            <a:schemeClr val="accent1"/>
+          </a:fillRef>
+          <a:effectRef idx="0">
+            <a:schemeClr val="accent1"/>
+          </a:effectRef>
+          <a:fontRef idx="minor">
+            <a:schemeClr val="lt1"/>
+          </a:fontRef>
+        </p:style>
+        <p:txBody>
+          <a:bodyPr rtlCol="0" anchor="ctr"/>
+          <a:lstStyle/>
+          <a:p>
+            <a:pPr algn="ctr"/>
+            <a:endParaRPr lang="LID4096"/>
+          </a:p>
+        </p:txBody>
+      </p:sp>
+      <p:grpSp>
+        <p:nvGrpSpPr>
+          <p:cNvPr id="56" name="Group 55">
+            <a:extLst>
+              <a:ext uri="{FF2B5EF4-FFF2-40B4-BE49-F238E27FC236}">
+                <a16:creationId xmlns:a16="http://schemas.microsoft.com/office/drawing/2014/main" id="{55DC1A04-3DE2-FE83-D536-A1A4BD325918}"/>
+              </a:ext>
+            </a:extLst>
+          </p:cNvPr>
+          <p:cNvGrpSpPr/>
+          <p:nvPr/>
+        </p:nvGrpSpPr>
+        <p:grpSpPr>
+          <a:xfrm>
+            <a:off x="3951837" y="1920240"/>
+            <a:ext cx="910840" cy="914400"/>
+            <a:chOff x="3951837" y="1920240"/>
+            <a:chExt cx="910840" cy="914400"/>
+          </a:xfrm>
+        </p:grpSpPr>
+        <p:grpSp>
+          <p:nvGrpSpPr>
+            <p:cNvPr id="47" name="Group 46">
+              <a:extLst>
+                <a:ext uri="{FF2B5EF4-FFF2-40B4-BE49-F238E27FC236}">
+                  <a16:creationId xmlns:a16="http://schemas.microsoft.com/office/drawing/2014/main" id="{8B8C39F6-07D5-6538-9981-729152062220}"/>
+                </a:ext>
+              </a:extLst>
+            </p:cNvPr>
+            <p:cNvGrpSpPr/>
+            <p:nvPr/>
+          </p:nvGrpSpPr>
+          <p:grpSpPr>
+            <a:xfrm>
+              <a:off x="4024142" y="1920240"/>
+              <a:ext cx="747096" cy="914400"/>
+              <a:chOff x="6766560" y="2834640"/>
+              <a:chExt cx="747096" cy="914400"/>
+            </a:xfrm>
+          </p:grpSpPr>
+          <p:sp>
+            <p:nvSpPr>
+              <p:cNvPr id="48" name="Rectangle: Diagonal Corners Rounded 47">
+                <a:extLst>
+                  <a:ext uri="{FF2B5EF4-FFF2-40B4-BE49-F238E27FC236}">
+                    <a16:creationId xmlns:a16="http://schemas.microsoft.com/office/drawing/2014/main" id="{5BE2C9B1-BFE2-6B8B-7FB1-F655BCB71EA8}"/>
+                  </a:ext>
+                </a:extLst>
+              </p:cNvPr>
+              <p:cNvSpPr/>
+              <p:nvPr/>
+            </p:nvSpPr>
+            <p:spPr>
+              <a:xfrm rot="5400000" flipH="1">
+                <a:off x="7193616" y="3141616"/>
+                <a:ext cx="182880" cy="457200"/>
+              </a:xfrm>
+              <a:prstGeom prst="round2DiagRect">
+                <a:avLst>
+                  <a:gd name="adj1" fmla="val 50000"/>
+                  <a:gd name="adj2" fmla="val 0"/>
+                </a:avLst>
+              </a:prstGeom>
+              <a:solidFill>
+                <a:srgbClr val="C00000"/>
+              </a:solidFill>
+              <a:ln w="38100">
+                <a:noFill/>
+              </a:ln>
+            </p:spPr>
+            <p:style>
+              <a:lnRef idx="2">
+                <a:schemeClr val="accent1">
+                  <a:shade val="50000"/>
+                </a:schemeClr>
+              </a:lnRef>
+              <a:fillRef idx="1">
+                <a:schemeClr val="accent1"/>
+              </a:fillRef>
+              <a:effectRef idx="0">
+                <a:schemeClr val="accent1"/>
+              </a:effectRef>
+              <a:fontRef idx="minor">
+                <a:schemeClr val="lt1"/>
+              </a:fontRef>
+            </p:style>
+            <p:txBody>
+              <a:bodyPr rtlCol="0" anchor="ctr"/>
+              <a:lstStyle/>
+              <a:p>
+                <a:pPr algn="ctr"/>
+                <a:endParaRPr lang="LID4096"/>
+              </a:p>
+            </p:txBody>
+          </p:sp>
+          <p:sp>
+            <p:nvSpPr>
+              <p:cNvPr id="49" name="Rectangle: Diagonal Corners Rounded 48">
+                <a:extLst>
+                  <a:ext uri="{FF2B5EF4-FFF2-40B4-BE49-F238E27FC236}">
+                    <a16:creationId xmlns:a16="http://schemas.microsoft.com/office/drawing/2014/main" id="{52FBE071-FBC0-6526-25BD-E0D7DED40906}"/>
+                  </a:ext>
+                </a:extLst>
+              </p:cNvPr>
+              <p:cNvSpPr/>
+              <p:nvPr/>
+            </p:nvSpPr>
+            <p:spPr>
+              <a:xfrm flipH="1">
+                <a:off x="6766560" y="2834640"/>
+                <a:ext cx="182880" cy="914400"/>
+              </a:xfrm>
+              <a:prstGeom prst="round2DiagRect">
+                <a:avLst>
+                  <a:gd name="adj1" fmla="val 50000"/>
+                  <a:gd name="adj2" fmla="val 0"/>
+                </a:avLst>
+              </a:prstGeom>
+              <a:solidFill>
+                <a:srgbClr val="C00000"/>
+              </a:solidFill>
+              <a:ln w="38100">
+                <a:noFill/>
+              </a:ln>
+            </p:spPr>
+            <p:style>
+              <a:lnRef idx="2">
+                <a:schemeClr val="accent1">
+                  <a:shade val="50000"/>
+                </a:schemeClr>
+              </a:lnRef>
+              <a:fillRef idx="1">
+                <a:schemeClr val="accent1"/>
+              </a:fillRef>
+              <a:effectRef idx="0">
+                <a:schemeClr val="accent1"/>
+              </a:effectRef>
+              <a:fontRef idx="minor">
+                <a:schemeClr val="lt1"/>
+              </a:fontRef>
+            </p:style>
+            <p:txBody>
+              <a:bodyPr rtlCol="0" anchor="ctr"/>
+              <a:lstStyle/>
+              <a:p>
+                <a:pPr algn="ctr"/>
+                <a:endParaRPr lang="LID4096"/>
+              </a:p>
+            </p:txBody>
+          </p:sp>
+          <p:sp>
+            <p:nvSpPr>
+              <p:cNvPr id="50" name="Rectangle: Diagonal Corners Rounded 49">
+                <a:extLst>
+                  <a:ext uri="{FF2B5EF4-FFF2-40B4-BE49-F238E27FC236}">
+                    <a16:creationId xmlns:a16="http://schemas.microsoft.com/office/drawing/2014/main" id="{68D7ACFC-967D-F570-47F4-B4EBB3E77792}"/>
+                  </a:ext>
+                </a:extLst>
+              </p:cNvPr>
+              <p:cNvSpPr/>
+              <p:nvPr/>
+            </p:nvSpPr>
+            <p:spPr>
+              <a:xfrm rot="5400000" flipH="1">
+                <a:off x="7193616" y="3429000"/>
+                <a:ext cx="182880" cy="457200"/>
+              </a:xfrm>
+              <a:prstGeom prst="round2DiagRect">
+                <a:avLst>
+                  <a:gd name="adj1" fmla="val 50000"/>
+                  <a:gd name="adj2" fmla="val 0"/>
+                </a:avLst>
+              </a:prstGeom>
+              <a:solidFill>
+                <a:srgbClr val="C00000"/>
+              </a:solidFill>
+              <a:ln w="38100">
+                <a:noFill/>
+              </a:ln>
+            </p:spPr>
+            <p:style>
+              <a:lnRef idx="2">
+                <a:schemeClr val="accent1">
+                  <a:shade val="50000"/>
+                </a:schemeClr>
+              </a:lnRef>
+              <a:fillRef idx="1">
+                <a:schemeClr val="accent1"/>
+              </a:fillRef>
+              <a:effectRef idx="0">
+                <a:schemeClr val="accent1"/>
+              </a:effectRef>
+              <a:fontRef idx="minor">
+                <a:schemeClr val="lt1"/>
+              </a:fontRef>
+            </p:style>
+            <p:txBody>
+              <a:bodyPr rtlCol="0" anchor="ctr"/>
+              <a:lstStyle/>
+              <a:p>
+                <a:pPr algn="ctr"/>
+                <a:endParaRPr lang="LID4096"/>
+              </a:p>
+            </p:txBody>
+          </p:sp>
+        </p:grpSp>
+        <p:sp>
+          <p:nvSpPr>
+            <p:cNvPr id="51" name="Rectangle 50">
+              <a:extLst>
+                <a:ext uri="{FF2B5EF4-FFF2-40B4-BE49-F238E27FC236}">
+                  <a16:creationId xmlns:a16="http://schemas.microsoft.com/office/drawing/2014/main" id="{1B223B1A-92A1-D55A-3235-7D4024CAAC70}"/>
+                </a:ext>
+              </a:extLst>
+            </p:cNvPr>
+            <p:cNvSpPr/>
+            <p:nvPr/>
+          </p:nvSpPr>
+          <p:spPr>
+            <a:xfrm>
+              <a:off x="3951837" y="2092342"/>
+              <a:ext cx="182880" cy="107933"/>
+            </a:xfrm>
+            <a:prstGeom prst="rect">
+              <a:avLst/>
+            </a:prstGeom>
+            <a:noFill/>
+            <a:ln>
               <a:noFill/>
             </a:ln>
           </p:spPr>
@@ -3425,10 +3979,10 @@
         </p:sp>
         <p:sp>
           <p:nvSpPr>
-            <p:cNvPr id="16" name="Rectangle: Diagonal Corners Rounded 15">
+            <p:cNvPr id="55" name="Rectangle 54">
               <a:extLst>
                 <a:ext uri="{FF2B5EF4-FFF2-40B4-BE49-F238E27FC236}">
-                  <a16:creationId xmlns:a16="http://schemas.microsoft.com/office/drawing/2014/main" id="{4EC4CAD2-C901-CB12-2404-4DCBA82C06D0}"/>
+                  <a16:creationId xmlns:a16="http://schemas.microsoft.com/office/drawing/2014/main" id="{9657B086-075A-13F9-66AF-DA98A9650DE9}"/>
                 </a:ext>
               </a:extLst>
             </p:cNvPr>
@@ -3437,253 +3991,14 @@
           </p:nvSpPr>
           <p:spPr>
             <a:xfrm flipH="1">
-              <a:off x="6804233" y="2701724"/>
-              <a:ext cx="274320" cy="1005840"/>
+              <a:off x="4679798" y="2298404"/>
+              <a:ext cx="182879" cy="200736"/>
             </a:xfrm>
-            <a:prstGeom prst="round2DiagRect">
-              <a:avLst>
-                <a:gd name="adj1" fmla="val 50000"/>
-                <a:gd name="adj2" fmla="val 0"/>
-              </a:avLst>
+            <a:prstGeom prst="rect">
+              <a:avLst/>
             </a:prstGeom>
-            <a:grpFill/>
-            <a:ln w="38100">
-              <a:noFill/>
-            </a:ln>
-          </p:spPr>
-          <p:style>
-            <a:lnRef idx="2">
-              <a:schemeClr val="accent1">
-                <a:shade val="50000"/>
-              </a:schemeClr>
-            </a:lnRef>
-            <a:fillRef idx="1">
-              <a:schemeClr val="accent1"/>
-            </a:fillRef>
-            <a:effectRef idx="0">
-              <a:schemeClr val="accent1"/>
-            </a:effectRef>
-            <a:fontRef idx="minor">
-              <a:schemeClr val="lt1"/>
-            </a:fontRef>
-          </p:style>
-          <p:txBody>
-            <a:bodyPr rtlCol="0" anchor="ctr"/>
-            <a:lstStyle/>
-            <a:p>
-              <a:pPr algn="ctr"/>
-              <a:endParaRPr lang="LID4096"/>
-            </a:p>
-          </p:txBody>
-        </p:sp>
-        <p:sp>
-          <p:nvSpPr>
-            <p:cNvPr id="17" name="Rectangle: Diagonal Corners Rounded 16">
-              <a:extLst>
-                <a:ext uri="{FF2B5EF4-FFF2-40B4-BE49-F238E27FC236}">
-                  <a16:creationId xmlns:a16="http://schemas.microsoft.com/office/drawing/2014/main" id="{26CEDFF0-9318-7A8D-9A34-639E82772961}"/>
-                </a:ext>
-              </a:extLst>
-            </p:cNvPr>
-            <p:cNvSpPr/>
-            <p:nvPr/>
-          </p:nvSpPr>
-          <p:spPr>
-            <a:xfrm rot="5400000" flipH="1">
-              <a:off x="7300591" y="3291840"/>
-              <a:ext cx="274320" cy="548640"/>
-            </a:xfrm>
-            <a:prstGeom prst="round2DiagRect">
-              <a:avLst>
-                <a:gd name="adj1" fmla="val 50000"/>
-                <a:gd name="adj2" fmla="val 0"/>
-              </a:avLst>
-            </a:prstGeom>
-            <a:grpFill/>
-            <a:ln w="38100">
-              <a:noFill/>
-            </a:ln>
-          </p:spPr>
-          <p:style>
-            <a:lnRef idx="2">
-              <a:schemeClr val="accent1">
-                <a:shade val="50000"/>
-              </a:schemeClr>
-            </a:lnRef>
-            <a:fillRef idx="1">
-              <a:schemeClr val="accent1"/>
-            </a:fillRef>
-            <a:effectRef idx="0">
-              <a:schemeClr val="accent1"/>
-            </a:effectRef>
-            <a:fontRef idx="minor">
-              <a:schemeClr val="lt1"/>
-            </a:fontRef>
-          </p:style>
-          <p:txBody>
-            <a:bodyPr rtlCol="0" anchor="ctr"/>
-            <a:lstStyle/>
-            <a:p>
-              <a:pPr algn="ctr"/>
-              <a:endParaRPr lang="LID4096"/>
-            </a:p>
-          </p:txBody>
-        </p:sp>
-      </p:grpSp>
-      <p:grpSp>
-        <p:nvGrpSpPr>
-          <p:cNvPr id="26" name="Group 25">
-            <a:extLst>
-              <a:ext uri="{FF2B5EF4-FFF2-40B4-BE49-F238E27FC236}">
-                <a16:creationId xmlns:a16="http://schemas.microsoft.com/office/drawing/2014/main" id="{85F26708-C2EA-3089-A6DC-A49321CEE494}"/>
-              </a:ext>
-            </a:extLst>
-          </p:cNvPr>
-          <p:cNvGrpSpPr/>
-          <p:nvPr/>
-        </p:nvGrpSpPr>
-        <p:grpSpPr>
-          <a:xfrm>
-            <a:off x="4032680" y="2779696"/>
-            <a:ext cx="907838" cy="1005840"/>
-            <a:chOff x="6804233" y="2701724"/>
-            <a:chExt cx="907838" cy="1005840"/>
-          </a:xfrm>
-          <a:solidFill>
-            <a:srgbClr val="002060"/>
-          </a:solidFill>
-        </p:grpSpPr>
-        <p:sp>
-          <p:nvSpPr>
-            <p:cNvPr id="27" name="Rectangle: Diagonal Corners Rounded 26">
-              <a:extLst>
-                <a:ext uri="{FF2B5EF4-FFF2-40B4-BE49-F238E27FC236}">
-                  <a16:creationId xmlns:a16="http://schemas.microsoft.com/office/drawing/2014/main" id="{7915B063-A838-1135-567F-E50E30C9EE40}"/>
-                </a:ext>
-              </a:extLst>
-            </p:cNvPr>
-            <p:cNvSpPr/>
-            <p:nvPr/>
-          </p:nvSpPr>
-          <p:spPr>
-            <a:xfrm rot="5400000" flipH="1">
-              <a:off x="7300591" y="2945959"/>
-              <a:ext cx="274320" cy="548640"/>
-            </a:xfrm>
-            <a:prstGeom prst="round2DiagRect">
-              <a:avLst>
-                <a:gd name="adj1" fmla="val 50000"/>
-                <a:gd name="adj2" fmla="val 0"/>
-              </a:avLst>
-            </a:prstGeom>
-            <a:grpFill/>
-            <a:ln w="38100">
-              <a:noFill/>
-            </a:ln>
-          </p:spPr>
-          <p:style>
-            <a:lnRef idx="2">
-              <a:schemeClr val="accent1">
-                <a:shade val="50000"/>
-              </a:schemeClr>
-            </a:lnRef>
-            <a:fillRef idx="1">
-              <a:schemeClr val="accent1"/>
-            </a:fillRef>
-            <a:effectRef idx="0">
-              <a:schemeClr val="accent1"/>
-            </a:effectRef>
-            <a:fontRef idx="minor">
-              <a:schemeClr val="lt1"/>
-            </a:fontRef>
-          </p:style>
-          <p:txBody>
-            <a:bodyPr rtlCol="0" anchor="ctr"/>
-            <a:lstStyle/>
-            <a:p>
-              <a:pPr algn="ctr"/>
-              <a:endParaRPr lang="LID4096"/>
-            </a:p>
-          </p:txBody>
-        </p:sp>
-        <p:sp>
-          <p:nvSpPr>
-            <p:cNvPr id="28" name="Rectangle: Diagonal Corners Rounded 27">
-              <a:extLst>
-                <a:ext uri="{FF2B5EF4-FFF2-40B4-BE49-F238E27FC236}">
-                  <a16:creationId xmlns:a16="http://schemas.microsoft.com/office/drawing/2014/main" id="{3AF0009C-9C42-3E06-6599-719E50158DF0}"/>
-                </a:ext>
-              </a:extLst>
-            </p:cNvPr>
-            <p:cNvSpPr/>
-            <p:nvPr/>
-          </p:nvSpPr>
-          <p:spPr>
-            <a:xfrm flipH="1">
-              <a:off x="6804233" y="2701724"/>
-              <a:ext cx="274320" cy="1005840"/>
-            </a:xfrm>
-            <a:prstGeom prst="round2DiagRect">
-              <a:avLst>
-                <a:gd name="adj1" fmla="val 50000"/>
-                <a:gd name="adj2" fmla="val 0"/>
-              </a:avLst>
-            </a:prstGeom>
-            <a:grpFill/>
-            <a:ln w="38100">
-              <a:noFill/>
-            </a:ln>
-          </p:spPr>
-          <p:style>
-            <a:lnRef idx="2">
-              <a:schemeClr val="accent1">
-                <a:shade val="50000"/>
-              </a:schemeClr>
-            </a:lnRef>
-            <a:fillRef idx="1">
-              <a:schemeClr val="accent1"/>
-            </a:fillRef>
-            <a:effectRef idx="0">
-              <a:schemeClr val="accent1"/>
-            </a:effectRef>
-            <a:fontRef idx="minor">
-              <a:schemeClr val="lt1"/>
-            </a:fontRef>
-          </p:style>
-          <p:txBody>
-            <a:bodyPr rtlCol="0" anchor="ctr"/>
-            <a:lstStyle/>
-            <a:p>
-              <a:pPr algn="ctr"/>
-              <a:endParaRPr lang="LID4096"/>
-            </a:p>
-          </p:txBody>
-        </p:sp>
-        <p:sp>
-          <p:nvSpPr>
-            <p:cNvPr id="29" name="Rectangle: Diagonal Corners Rounded 28">
-              <a:extLst>
-                <a:ext uri="{FF2B5EF4-FFF2-40B4-BE49-F238E27FC236}">
-                  <a16:creationId xmlns:a16="http://schemas.microsoft.com/office/drawing/2014/main" id="{54C5246E-1523-2621-92DF-F931BE82A75B}"/>
-                </a:ext>
-              </a:extLst>
-            </p:cNvPr>
-            <p:cNvSpPr/>
-            <p:nvPr/>
-          </p:nvSpPr>
-          <p:spPr>
-            <a:xfrm rot="5400000" flipH="1">
-              <a:off x="7300591" y="3291840"/>
-              <a:ext cx="274320" cy="548640"/>
-            </a:xfrm>
-            <a:prstGeom prst="round2DiagRect">
-              <a:avLst>
-                <a:gd name="adj1" fmla="val 50000"/>
-                <a:gd name="adj2" fmla="val 0"/>
-              </a:avLst>
-            </a:prstGeom>
-            <a:grpFill/>
-            <a:ln w="38100">
+            <a:noFill/>
+            <a:ln>
               <a:noFill/>
             </a:ln>
           </p:spPr>
